--- a/Apresentação1.pptx
+++ b/Apresentação1.pptx
@@ -8,9 +8,11 @@
     <p:sldId id="257" r:id="rId2"/>
     <p:sldId id="256" r:id="rId3"/>
     <p:sldId id="258" r:id="rId4"/>
-    <p:sldId id="259" r:id="rId5"/>
-    <p:sldId id="260" r:id="rId6"/>
-    <p:sldId id="261" r:id="rId7"/>
+    <p:sldId id="262" r:id="rId5"/>
+    <p:sldId id="259" r:id="rId6"/>
+    <p:sldId id="263" r:id="rId7"/>
+    <p:sldId id="261" r:id="rId8"/>
+    <p:sldId id="260" r:id="rId9"/>
   </p:sldIdLst>
   <p:sldSz cx="12192000" cy="6858000"/>
   <p:notesSz cx="6858000" cy="9144000"/>
@@ -109,6 +111,11 @@
       </a:defRPr>
     </a:lvl9pPr>
   </p:defaultTextStyle>
+  <p:extLst>
+    <p:ext uri="{EFAFB233-063F-42B5-8137-9DF3F51BA10A}">
+      <p15:sldGuideLst xmlns:p15="http://schemas.microsoft.com/office/powerpoint/2012/main"/>
+    </p:ext>
+  </p:extLst>
 </p:presentation>
 </file>
 
@@ -259,7 +266,7 @@
           <a:p>
             <a:fld id="{EC29BD91-EEC8-4EA2-8D87-D6E653FAE27F}" type="datetimeFigureOut">
               <a:rPr lang="pt-BR" smtClean="0"/>
-              <a:t>27/02/2024</a:t>
+              <a:t>19/03/2024</a:t>
             </a:fld>
             <a:endParaRPr lang="pt-BR"/>
           </a:p>
@@ -457,7 +464,7 @@
           <a:p>
             <a:fld id="{EC29BD91-EEC8-4EA2-8D87-D6E653FAE27F}" type="datetimeFigureOut">
               <a:rPr lang="pt-BR" smtClean="0"/>
-              <a:t>27/02/2024</a:t>
+              <a:t>19/03/2024</a:t>
             </a:fld>
             <a:endParaRPr lang="pt-BR"/>
           </a:p>
@@ -665,7 +672,7 @@
           <a:p>
             <a:fld id="{EC29BD91-EEC8-4EA2-8D87-D6E653FAE27F}" type="datetimeFigureOut">
               <a:rPr lang="pt-BR" smtClean="0"/>
-              <a:t>27/02/2024</a:t>
+              <a:t>19/03/2024</a:t>
             </a:fld>
             <a:endParaRPr lang="pt-BR"/>
           </a:p>
@@ -863,7 +870,7 @@
           <a:p>
             <a:fld id="{EC29BD91-EEC8-4EA2-8D87-D6E653FAE27F}" type="datetimeFigureOut">
               <a:rPr lang="pt-BR" smtClean="0"/>
-              <a:t>27/02/2024</a:t>
+              <a:t>19/03/2024</a:t>
             </a:fld>
             <a:endParaRPr lang="pt-BR"/>
           </a:p>
@@ -1138,7 +1145,7 @@
           <a:p>
             <a:fld id="{EC29BD91-EEC8-4EA2-8D87-D6E653FAE27F}" type="datetimeFigureOut">
               <a:rPr lang="pt-BR" smtClean="0"/>
-              <a:t>27/02/2024</a:t>
+              <a:t>19/03/2024</a:t>
             </a:fld>
             <a:endParaRPr lang="pt-BR"/>
           </a:p>
@@ -1403,7 +1410,7 @@
           <a:p>
             <a:fld id="{EC29BD91-EEC8-4EA2-8D87-D6E653FAE27F}" type="datetimeFigureOut">
               <a:rPr lang="pt-BR" smtClean="0"/>
-              <a:t>27/02/2024</a:t>
+              <a:t>19/03/2024</a:t>
             </a:fld>
             <a:endParaRPr lang="pt-BR"/>
           </a:p>
@@ -1815,7 +1822,7 @@
           <a:p>
             <a:fld id="{EC29BD91-EEC8-4EA2-8D87-D6E653FAE27F}" type="datetimeFigureOut">
               <a:rPr lang="pt-BR" smtClean="0"/>
-              <a:t>27/02/2024</a:t>
+              <a:t>19/03/2024</a:t>
             </a:fld>
             <a:endParaRPr lang="pt-BR"/>
           </a:p>
@@ -1956,7 +1963,7 @@
           <a:p>
             <a:fld id="{EC29BD91-EEC8-4EA2-8D87-D6E653FAE27F}" type="datetimeFigureOut">
               <a:rPr lang="pt-BR" smtClean="0"/>
-              <a:t>27/02/2024</a:t>
+              <a:t>19/03/2024</a:t>
             </a:fld>
             <a:endParaRPr lang="pt-BR"/>
           </a:p>
@@ -2069,7 +2076,7 @@
           <a:p>
             <a:fld id="{EC29BD91-EEC8-4EA2-8D87-D6E653FAE27F}" type="datetimeFigureOut">
               <a:rPr lang="pt-BR" smtClean="0"/>
-              <a:t>27/02/2024</a:t>
+              <a:t>19/03/2024</a:t>
             </a:fld>
             <a:endParaRPr lang="pt-BR"/>
           </a:p>
@@ -2380,7 +2387,7 @@
           <a:p>
             <a:fld id="{EC29BD91-EEC8-4EA2-8D87-D6E653FAE27F}" type="datetimeFigureOut">
               <a:rPr lang="pt-BR" smtClean="0"/>
-              <a:t>27/02/2024</a:t>
+              <a:t>19/03/2024</a:t>
             </a:fld>
             <a:endParaRPr lang="pt-BR"/>
           </a:p>
@@ -2668,7 +2675,7 @@
           <a:p>
             <a:fld id="{EC29BD91-EEC8-4EA2-8D87-D6E653FAE27F}" type="datetimeFigureOut">
               <a:rPr lang="pt-BR" smtClean="0"/>
-              <a:t>27/02/2024</a:t>
+              <a:t>19/03/2024</a:t>
             </a:fld>
             <a:endParaRPr lang="pt-BR"/>
           </a:p>
@@ -2909,7 +2916,7 @@
           <a:p>
             <a:fld id="{EC29BD91-EEC8-4EA2-8D87-D6E653FAE27F}" type="datetimeFigureOut">
               <a:rPr lang="pt-BR" smtClean="0"/>
-              <a:t>27/02/2024</a:t>
+              <a:t>19/03/2024</a:t>
             </a:fld>
             <a:endParaRPr lang="pt-BR"/>
           </a:p>
@@ -4013,13 +4020,13 @@
   <p:clrMapOvr>
     <a:masterClrMapping/>
   </p:clrMapOvr>
-  <mc:AlternateContent xmlns:mc="http://schemas.openxmlformats.org/markup-compatibility/2006">
-    <mc:Choice xmlns:p159="http://schemas.microsoft.com/office/powerpoint/2015/09/main" Requires="p159">
+  <mc:AlternateContent xmlns:mc="http://schemas.openxmlformats.org/markup-compatibility/2006" xmlns:p159="http://schemas.microsoft.com/office/powerpoint/2015/09/main">
+    <mc:Choice Requires="p159">
       <p:transition xmlns:p14="http://schemas.microsoft.com/office/powerpoint/2010/main" spd="slow" p14:dur="2000">
         <p159:morph option="byObject"/>
       </p:transition>
     </mc:Choice>
-    <mc:Fallback>
+    <mc:Fallback xmlns="">
       <p:transition spd="slow">
         <p:fade/>
       </p:transition>
@@ -4849,13 +4856,13 @@
   <p:clrMapOvr>
     <a:masterClrMapping/>
   </p:clrMapOvr>
-  <mc:AlternateContent xmlns:mc="http://schemas.openxmlformats.org/markup-compatibility/2006">
-    <mc:Choice xmlns:p159="http://schemas.microsoft.com/office/powerpoint/2015/09/main" Requires="p159">
+  <mc:AlternateContent xmlns:mc="http://schemas.openxmlformats.org/markup-compatibility/2006" xmlns:p159="http://schemas.microsoft.com/office/powerpoint/2015/09/main">
+    <mc:Choice Requires="p159">
       <p:transition xmlns:p14="http://schemas.microsoft.com/office/powerpoint/2010/main" spd="slow" p14:dur="2000">
         <p159:morph option="byObject"/>
       </p:transition>
     </mc:Choice>
-    <mc:Fallback>
+    <mc:Fallback xmlns="">
       <p:transition spd="slow">
         <p:fade/>
       </p:transition>
@@ -5330,13 +5337,13 @@
   <p:clrMapOvr>
     <a:masterClrMapping/>
   </p:clrMapOvr>
-  <mc:AlternateContent xmlns:mc="http://schemas.openxmlformats.org/markup-compatibility/2006">
-    <mc:Choice xmlns:p159="http://schemas.microsoft.com/office/powerpoint/2015/09/main" Requires="p159">
+  <mc:AlternateContent xmlns:mc="http://schemas.openxmlformats.org/markup-compatibility/2006" xmlns:p159="http://schemas.microsoft.com/office/powerpoint/2015/09/main">
+    <mc:Choice Requires="p159">
       <p:transition xmlns:p14="http://schemas.microsoft.com/office/powerpoint/2010/main" spd="slow" p14:dur="2000">
         <p159:morph option="byObject"/>
       </p:transition>
     </mc:Choice>
-    <mc:Fallback>
+    <mc:Fallback xmlns="">
       <p:transition spd="slow">
         <p:fade/>
       </p:transition>
@@ -5386,7 +5393,7 @@
           <a:blip r:embed="rId2">
             <a:duotone>
               <a:prstClr val="black"/>
-              <a:schemeClr val="accent5">
+              <a:schemeClr val="accent6">
                 <a:tint val="45000"/>
                 <a:satMod val="400000"/>
               </a:schemeClr>
@@ -5484,7 +5491,7 @@
         </p:blipFill>
         <p:spPr>
           <a:xfrm>
-            <a:off x="0" y="0"/>
+            <a:off x="-1" y="0"/>
             <a:ext cx="12653319" cy="6858000"/>
           </a:xfrm>
           <a:prstGeom prst="rect">
@@ -5559,7 +5566,7 @@
         </p:blipFill>
         <p:spPr>
           <a:xfrm>
-            <a:off x="0" y="0"/>
+            <a:off x="-2" y="-62315"/>
             <a:ext cx="12653319" cy="6858000"/>
           </a:xfrm>
           <a:prstGeom prst="rect">
@@ -5660,7 +5667,7 @@
                 </a:solidFill>
                 <a:latin typeface="Impact" panose="020B0806030902050204" pitchFamily="34" charset="0"/>
               </a:rPr>
-              <a:t>Canais de divulgação</a:t>
+              <a:t>Diferenciais Competitivos</a:t>
             </a:r>
           </a:p>
           <a:p>
@@ -5732,65 +5739,10 @@
           </a:p>
         </p:txBody>
       </p:sp>
-      <p:pic>
-        <p:nvPicPr>
-          <p:cNvPr id="6" name="Imagem 5">
-            <a:extLst>
-              <a:ext uri="{FF2B5EF4-FFF2-40B4-BE49-F238E27FC236}">
-                <a16:creationId xmlns:a16="http://schemas.microsoft.com/office/drawing/2014/main" id="{F7D58219-4085-E270-5C51-DF0E3A2000FE}"/>
-              </a:ext>
-            </a:extLst>
-          </p:cNvPr>
-          <p:cNvPicPr>
-            <a:picLocks noChangeAspect="1"/>
-          </p:cNvPicPr>
-          <p:nvPr/>
-        </p:nvPicPr>
-        <p:blipFill>
-          <a:blip r:embed="rId6">
-            <a:duotone>
-              <a:schemeClr val="accent3">
-                <a:shade val="45000"/>
-                <a:satMod val="135000"/>
-              </a:schemeClr>
-              <a:prstClr val="white"/>
-            </a:duotone>
-            <a:extLst>
-              <a:ext uri="{BEBA8EAE-BF5A-486C-A8C5-ECC9F3942E4B}">
-                <a14:imgProps xmlns:a14="http://schemas.microsoft.com/office/drawing/2010/main">
-                  <a14:imgLayer r:embed="rId7">
-                    <a14:imgEffect>
-                      <a14:colorTemperature colorTemp="11200"/>
-                    </a14:imgEffect>
-                    <a14:imgEffect>
-                      <a14:saturation sat="0"/>
-                    </a14:imgEffect>
-                  </a14:imgLayer>
-                </a14:imgProps>
-              </a:ext>
-              <a:ext uri="{28A0092B-C50C-407E-A947-70E740481C1C}">
-                <a14:useLocalDpi xmlns:a14="http://schemas.microsoft.com/office/drawing/2010/main" val="0"/>
-              </a:ext>
-            </a:extLst>
-          </a:blip>
-          <a:stretch>
-            <a:fillRect/>
-          </a:stretch>
-        </p:blipFill>
-        <p:spPr>
-          <a:xfrm>
-            <a:off x="11060885" y="856343"/>
-            <a:ext cx="419916" cy="556543"/>
-          </a:xfrm>
-          <a:prstGeom prst="rect">
-            <a:avLst/>
-          </a:prstGeom>
-        </p:spPr>
-      </p:pic>
     </p:spTree>
     <p:extLst>
       <p:ext uri="{BB962C8B-B14F-4D97-AF65-F5344CB8AC3E}">
-        <p14:creationId xmlns:p14="http://schemas.microsoft.com/office/powerpoint/2010/main" val="2511197424"/>
+        <p14:creationId xmlns:p14="http://schemas.microsoft.com/office/powerpoint/2010/main" val="3556134996"/>
       </p:ext>
     </p:extLst>
   </p:cSld>
@@ -5817,7 +5769,13 @@
   <p:cSld>
     <p:spTree>
       <p:nvGrpSpPr>
-        <p:cNvPr id="1" name=""/>
+        <p:cNvPr id="1" name="">
+          <a:extLst>
+            <a:ext uri="{FF2B5EF4-FFF2-40B4-BE49-F238E27FC236}">
+              <a16:creationId xmlns:a16="http://schemas.microsoft.com/office/drawing/2014/main" id="{F440C0C1-73B6-4F73-653E-5F5663C9E686}"/>
+            </a:ext>
+          </a:extLst>
+        </p:cNvPr>
         <p:cNvGrpSpPr/>
         <p:nvPr/>
       </p:nvGrpSpPr>
@@ -5829,55 +5787,498 @@
           <a:chExt cx="0" cy="0"/>
         </a:xfrm>
       </p:grpSpPr>
-      <p:sp>
-        <p:nvSpPr>
-          <p:cNvPr id="2" name="Título 1">
-            <a:extLst>
-              <a:ext uri="{FF2B5EF4-FFF2-40B4-BE49-F238E27FC236}">
-                <a16:creationId xmlns:a16="http://schemas.microsoft.com/office/drawing/2014/main" id="{C2F76D39-5EBC-8BE5-59D6-024C571EFD75}"/>
-              </a:ext>
-            </a:extLst>
-          </p:cNvPr>
-          <p:cNvSpPr>
-            <a:spLocks noGrp="1"/>
-          </p:cNvSpPr>
-          <p:nvPr>
-            <p:ph type="title"/>
-          </p:nvPr>
-        </p:nvSpPr>
-        <p:spPr/>
-        <p:txBody>
-          <a:bodyPr/>
+      <p:pic>
+        <p:nvPicPr>
+          <p:cNvPr id="2" name="Imagem 1">
+            <a:extLst>
+              <a:ext uri="{FF2B5EF4-FFF2-40B4-BE49-F238E27FC236}">
+                <a16:creationId xmlns:a16="http://schemas.microsoft.com/office/drawing/2014/main" id="{9DA941A8-332C-BCAE-8A5D-5A8F8AABAD18}"/>
+              </a:ext>
+            </a:extLst>
+          </p:cNvPr>
+          <p:cNvPicPr>
+            <a:picLocks noChangeAspect="1"/>
+          </p:cNvPicPr>
+          <p:nvPr/>
+        </p:nvPicPr>
+        <p:blipFill>
+          <a:blip r:embed="rId2">
+            <a:duotone>
+              <a:prstClr val="black"/>
+              <a:schemeClr val="accent5">
+                <a:tint val="45000"/>
+                <a:satMod val="400000"/>
+              </a:schemeClr>
+            </a:duotone>
+            <a:extLst>
+              <a:ext uri="{28A0092B-C50C-407E-A947-70E740481C1C}">
+                <a14:useLocalDpi xmlns:a14="http://schemas.microsoft.com/office/drawing/2010/main" val="0"/>
+              </a:ext>
+            </a:extLst>
+          </a:blip>
+          <a:stretch>
+            <a:fillRect/>
+          </a:stretch>
+        </p:blipFill>
+        <p:spPr>
+          <a:xfrm>
+            <a:off x="0" y="0"/>
+            <a:ext cx="12653319" cy="6858000"/>
+          </a:xfrm>
+          <a:prstGeom prst="rect">
+            <a:avLst/>
+          </a:prstGeom>
+          <a:scene3d>
+            <a:camera prst="orthographicFront">
+              <a:rot lat="10800000" lon="0" rev="0"/>
+            </a:camera>
+            <a:lightRig rig="threePt" dir="t"/>
+          </a:scene3d>
+        </p:spPr>
+      </p:pic>
+      <p:pic>
+        <p:nvPicPr>
+          <p:cNvPr id="13" name="Imagem 12">
+            <a:extLst>
+              <a:ext uri="{FF2B5EF4-FFF2-40B4-BE49-F238E27FC236}">
+                <a16:creationId xmlns:a16="http://schemas.microsoft.com/office/drawing/2014/main" id="{930B6472-2831-C319-8840-C358AB78D232}"/>
+              </a:ext>
+            </a:extLst>
+          </p:cNvPr>
+          <p:cNvPicPr>
+            <a:picLocks noChangeAspect="1"/>
+          </p:cNvPicPr>
+          <p:nvPr/>
+        </p:nvPicPr>
+        <p:blipFill>
+          <a:blip r:embed="rId3">
+            <a:extLst>
+              <a:ext uri="{BEBA8EAE-BF5A-486C-A8C5-ECC9F3942E4B}">
+                <a14:imgProps xmlns:a14="http://schemas.microsoft.com/office/drawing/2010/main">
+                  <a14:imgLayer r:embed="rId4">
+                    <a14:imgEffect>
+                      <a14:backgroundRemoval t="6126" b="89910" l="6250" r="89844">
+                        <a14:foregroundMark x1="20801" y1="52973" x2="6250" y2="41081"/>
+                        <a14:foregroundMark x1="6250" y1="41081" x2="12305" y2="34234"/>
+                        <a14:foregroundMark x1="12305" y1="34234" x2="17090" y2="36216"/>
+                        <a14:foregroundMark x1="37109" y1="14775" x2="33984" y2="10450"/>
+                        <a14:foregroundMark x1="33984" y1="10450" x2="28418" y2="6126"/>
+                        <a14:foregroundMark x1="28418" y1="6126" x2="27441" y2="18018"/>
+                        <a14:foregroundMark x1="27441" y1="18018" x2="27441" y2="18018"/>
+                        <a14:foregroundMark x1="26172" y1="8829" x2="26465" y2="14775"/>
+                        <a14:foregroundMark x1="16602" y1="30811" x2="18848" y2="24144"/>
+                        <a14:foregroundMark x1="18848" y1="24144" x2="18848" y2="24144"/>
+                        <a14:foregroundMark x1="17676" y1="24505" x2="18359" y2="24324"/>
+                        <a14:foregroundMark x1="17871" y1="23604" x2="18457" y2="23604"/>
+                        <a14:foregroundMark x1="24414" y1="47748" x2="21680" y2="53694"/>
+                        <a14:foregroundMark x1="21680" y1="53694" x2="19824" y2="54054"/>
+                        <a14:foregroundMark x1="36816" y1="28649" x2="39551" y2="23423"/>
+                        <a14:foregroundMark x1="39258" y1="23243" x2="39063" y2="31351"/>
+                        <a14:foregroundMark x1="39063" y1="31351" x2="33594" y2="28649"/>
+                        <a14:foregroundMark x1="25684" y1="42342" x2="25098" y2="46667"/>
+                        <a14:foregroundMark x1="26367" y1="43243" x2="25781" y2="46126"/>
+                        <a14:foregroundMark x1="24219" y1="44505" x2="24609" y2="52613"/>
+                        <a14:foregroundMark x1="35352" y1="28649" x2="25293" y2="42883"/>
+                        <a14:backgroundMark x1="6738" y1="49369" x2="31836" y2="69369"/>
+                        <a14:backgroundMark x1="31836" y1="69369" x2="47754" y2="32973"/>
+                        <a14:backgroundMark x1="23535" y1="61081" x2="26953" y2="54414"/>
+                        <a14:backgroundMark x1="26953" y1="54414" x2="30078" y2="43964"/>
+                        <a14:backgroundMark x1="30078" y1="43964" x2="42773" y2="35495"/>
+                        <a14:backgroundMark x1="28711" y1="47027" x2="30566" y2="39279"/>
+                        <a14:backgroundMark x1="30566" y1="39279" x2="37402" y2="34234"/>
+                        <a14:backgroundMark x1="37402" y1="34234" x2="38379" y2="34054"/>
+                      </a14:backgroundRemoval>
+                    </a14:imgEffect>
+                  </a14:imgLayer>
+                </a14:imgProps>
+              </a:ext>
+              <a:ext uri="{28A0092B-C50C-407E-A947-70E740481C1C}">
+                <a14:useLocalDpi xmlns:a14="http://schemas.microsoft.com/office/drawing/2010/main" val="0"/>
+              </a:ext>
+            </a:extLst>
+          </a:blip>
+          <a:stretch>
+            <a:fillRect/>
+          </a:stretch>
+        </p:blipFill>
+        <p:spPr>
+          <a:xfrm>
+            <a:off x="0" y="0"/>
+            <a:ext cx="12653319" cy="6858000"/>
+          </a:xfrm>
+          <a:prstGeom prst="rect">
+            <a:avLst/>
+          </a:prstGeom>
+          <a:scene3d>
+            <a:camera prst="orthographicFront">
+              <a:rot lat="10800000" lon="0" rev="0"/>
+            </a:camera>
+            <a:lightRig rig="threePt" dir="t"/>
+          </a:scene3d>
+        </p:spPr>
+      </p:pic>
+      <p:pic>
+        <p:nvPicPr>
+          <p:cNvPr id="15" name="Imagem 14">
+            <a:extLst>
+              <a:ext uri="{FF2B5EF4-FFF2-40B4-BE49-F238E27FC236}">
+                <a16:creationId xmlns:a16="http://schemas.microsoft.com/office/drawing/2014/main" id="{3FB1C563-31B6-20C7-4498-4F22B7173E42}"/>
+              </a:ext>
+            </a:extLst>
+          </p:cNvPr>
+          <p:cNvPicPr>
+            <a:picLocks noChangeAspect="1"/>
+          </p:cNvPicPr>
+          <p:nvPr/>
+        </p:nvPicPr>
+        <p:blipFill>
+          <a:blip r:embed="rId5">
+            <a:extLst>
+              <a:ext uri="{BEBA8EAE-BF5A-486C-A8C5-ECC9F3942E4B}">
+                <a14:imgProps xmlns:a14="http://schemas.microsoft.com/office/drawing/2010/main">
+                  <a14:imgLayer r:embed="rId4">
+                    <a14:imgEffect>
+                      <a14:backgroundRemoval t="8108" b="89910" l="5176" r="89844">
+                        <a14:foregroundMark x1="15234" y1="36216" x2="8594" y2="34595"/>
+                        <a14:foregroundMark x1="8594" y1="34595" x2="4199" y2="36036"/>
+                        <a14:foregroundMark x1="4199" y1="36036" x2="9668" y2="44505"/>
+                        <a14:foregroundMark x1="9668" y1="44505" x2="14844" y2="46306"/>
+                        <a14:foregroundMark x1="36328" y1="15856" x2="31055" y2="7027"/>
+                        <a14:foregroundMark x1="31055" y1="7027" x2="26660" y2="9189"/>
+                        <a14:foregroundMark x1="26660" y1="9189" x2="26270" y2="13874"/>
+                        <a14:foregroundMark x1="6934" y1="33874" x2="5176" y2="40180"/>
+                        <a14:foregroundMark x1="5176" y1="40180" x2="6055" y2="41441"/>
+                        <a14:foregroundMark x1="26074" y1="8108" x2="25586" y2="16036"/>
+                        <a14:foregroundMark x1="37891" y1="23604" x2="37695" y2="30991"/>
+                        <a14:foregroundMark x1="35209" y1="32010" x2="34180" y2="32432"/>
+                        <a14:foregroundMark x1="37695" y1="30991" x2="35959" y2="31703"/>
+                        <a14:foregroundMark x1="25000" y1="47387" x2="23145" y2="54414"/>
+                        <a14:foregroundMark x1="23145" y1="54414" x2="21387" y2="51171"/>
+                        <a14:foregroundMark x1="26172" y1="43423" x2="24805" y2="46306"/>
+                        <a14:backgroundMark x1="1953" y1="44144" x2="26465" y2="64324"/>
+                        <a14:backgroundMark x1="40137" y1="38378" x2="33691" y2="41622"/>
+                        <a14:backgroundMark x1="33691" y1="41622" x2="27051" y2="52793"/>
+                        <a14:backgroundMark x1="27051" y1="52793" x2="26465" y2="54955"/>
+                        <a14:backgroundMark x1="29492" y1="44505" x2="35426" y2="34790"/>
+                        <a14:backgroundMark x1="28027" y1="43604" x2="34375" y2="35315"/>
+                        <a14:backgroundMark x1="34961" y1="34595" x2="37012" y2="34595"/>
+                      </a14:backgroundRemoval>
+                    </a14:imgEffect>
+                  </a14:imgLayer>
+                </a14:imgProps>
+              </a:ext>
+              <a:ext uri="{28A0092B-C50C-407E-A947-70E740481C1C}">
+                <a14:useLocalDpi xmlns:a14="http://schemas.microsoft.com/office/drawing/2010/main" val="0"/>
+              </a:ext>
+            </a:extLst>
+          </a:blip>
+          <a:stretch>
+            <a:fillRect/>
+          </a:stretch>
+        </p:blipFill>
+        <p:spPr>
+          <a:xfrm>
+            <a:off x="0" y="0"/>
+            <a:ext cx="12653319" cy="6858000"/>
+          </a:xfrm>
+          <a:prstGeom prst="rect">
+            <a:avLst/>
+          </a:prstGeom>
+          <a:scene3d>
+            <a:camera prst="orthographicFront">
+              <a:rot lat="10800000" lon="0" rev="60000"/>
+            </a:camera>
+            <a:lightRig rig="threePt" dir="t"/>
+          </a:scene3d>
+        </p:spPr>
+      </p:pic>
+      <p:sp>
+        <p:nvSpPr>
+          <p:cNvPr id="3" name="Elipse 2">
+            <a:extLst>
+              <a:ext uri="{FF2B5EF4-FFF2-40B4-BE49-F238E27FC236}">
+                <a16:creationId xmlns:a16="http://schemas.microsoft.com/office/drawing/2014/main" id="{85D9D0A4-5FBB-7F3F-67F0-837B88AEA3A6}"/>
+              </a:ext>
+            </a:extLst>
+          </p:cNvPr>
+          <p:cNvSpPr/>
+          <p:nvPr/>
+        </p:nvSpPr>
+        <p:spPr>
+          <a:xfrm>
+            <a:off x="5441048" y="-1113727"/>
+            <a:ext cx="8878958" cy="8110332"/>
+          </a:xfrm>
+          <a:prstGeom prst="ellipse">
+            <a:avLst/>
+          </a:prstGeom>
+          <a:solidFill>
+            <a:srgbClr val="DEF1BB"/>
+          </a:solidFill>
+          <a:ln>
+            <a:noFill/>
+          </a:ln>
+        </p:spPr>
+        <p:style>
+          <a:lnRef idx="2">
+            <a:schemeClr val="accent1">
+              <a:shade val="15000"/>
+            </a:schemeClr>
+          </a:lnRef>
+          <a:fillRef idx="1">
+            <a:schemeClr val="accent1"/>
+          </a:fillRef>
+          <a:effectRef idx="0">
+            <a:schemeClr val="accent1"/>
+          </a:effectRef>
+          <a:fontRef idx="minor">
+            <a:schemeClr val="lt1"/>
+          </a:fontRef>
+        </p:style>
+        <p:txBody>
+          <a:bodyPr rtlCol="0" anchor="ctr"/>
           <a:lstStyle/>
           <a:p>
-            <a:r>
-              <a:rPr lang="pt-BR" dirty="0"/>
-              <a:t>Risco de evento</a:t>
-            </a:r>
-          </a:p>
-        </p:txBody>
-      </p:sp>
-      <p:sp>
-        <p:nvSpPr>
-          <p:cNvPr id="3" name="Espaço Reservado para Conteúdo 2">
-            <a:extLst>
-              <a:ext uri="{FF2B5EF4-FFF2-40B4-BE49-F238E27FC236}">
-                <a16:creationId xmlns:a16="http://schemas.microsoft.com/office/drawing/2014/main" id="{2BBD7854-18C9-8A40-5E12-0BD15EFD9164}"/>
-              </a:ext>
-            </a:extLst>
-          </p:cNvPr>
-          <p:cNvSpPr>
-            <a:spLocks noGrp="1"/>
-          </p:cNvSpPr>
-          <p:nvPr>
-            <p:ph idx="1"/>
-          </p:nvPr>
-        </p:nvSpPr>
-        <p:spPr/>
-        <p:txBody>
-          <a:bodyPr/>
+            <a:pPr algn="ctr"/>
+            <a:endParaRPr lang="pt-BR"/>
+          </a:p>
+        </p:txBody>
+      </p:sp>
+      <p:sp>
+        <p:nvSpPr>
+          <p:cNvPr id="4" name="CaixaDeTexto 3">
+            <a:extLst>
+              <a:ext uri="{FF2B5EF4-FFF2-40B4-BE49-F238E27FC236}">
+                <a16:creationId xmlns:a16="http://schemas.microsoft.com/office/drawing/2014/main" id="{9068ACF8-4567-024B-4062-8D1CA76AA03A}"/>
+              </a:ext>
+            </a:extLst>
+          </p:cNvPr>
+          <p:cNvSpPr txBox="1"/>
+          <p:nvPr/>
+        </p:nvSpPr>
+        <p:spPr>
+          <a:xfrm>
+            <a:off x="7021776" y="287217"/>
+            <a:ext cx="5631543" cy="4708981"/>
+          </a:xfrm>
+          <a:prstGeom prst="rect">
+            <a:avLst/>
+          </a:prstGeom>
+          <a:noFill/>
+        </p:spPr>
+        <p:txBody>
+          <a:bodyPr wrap="square" rtlCol="0">
+            <a:spAutoFit/>
+          </a:bodyPr>
           <a:lstStyle/>
           <a:p>
+            <a:r>
+              <a:rPr lang="pt-BR" sz="3600" dirty="0">
+                <a:solidFill>
+                  <a:srgbClr val="3F5362"/>
+                </a:solidFill>
+                <a:latin typeface="Impact" panose="020B0806030902050204" pitchFamily="34" charset="0"/>
+              </a:rPr>
+              <a:t>Diferencial competitivo</a:t>
+            </a:r>
+          </a:p>
+          <a:p>
+            <a:endParaRPr lang="pt-BR" sz="2400" dirty="0">
+              <a:solidFill>
+                <a:srgbClr val="3F5362"/>
+              </a:solidFill>
+              <a:latin typeface="Impact" panose="020B0806030902050204" pitchFamily="34" charset="0"/>
+            </a:endParaRPr>
+          </a:p>
+          <a:p>
+            <a:r>
+              <a:rPr lang="pt-BR" sz="2400" dirty="0">
+                <a:solidFill>
+                  <a:srgbClr val="3F5362"/>
+                </a:solidFill>
+                <a:latin typeface="Impact" panose="020B0806030902050204" pitchFamily="34" charset="0"/>
+              </a:rPr>
+              <a:t>O material que usamos. Feitos com materiais 100% reciclados.</a:t>
+            </a:r>
+          </a:p>
+          <a:p>
+            <a:endParaRPr lang="pt-BR" sz="2400" dirty="0">
+              <a:solidFill>
+                <a:srgbClr val="3F5362"/>
+              </a:solidFill>
+              <a:latin typeface="Impact" panose="020B0806030902050204" pitchFamily="34" charset="0"/>
+            </a:endParaRPr>
+          </a:p>
+          <a:p>
+            <a:r>
+              <a:rPr lang="pt-BR" sz="2400" dirty="0">
+                <a:solidFill>
+                  <a:srgbClr val="3F5362"/>
+                </a:solidFill>
+                <a:latin typeface="Impact" panose="020B0806030902050204" pitchFamily="34" charset="0"/>
+              </a:rPr>
+              <a:t>Nós tiramos do lixo o que usamos para fazer </a:t>
+            </a:r>
+          </a:p>
+          <a:p>
+            <a:r>
+              <a:rPr lang="pt-BR" sz="2400" dirty="0">
+                <a:solidFill>
+                  <a:srgbClr val="3F5362"/>
+                </a:solidFill>
+                <a:latin typeface="Impact" panose="020B0806030902050204" pitchFamily="34" charset="0"/>
+              </a:rPr>
+              <a:t>produtos de qualidade extrema e com designs únicos. </a:t>
+            </a:r>
+          </a:p>
+          <a:p>
+            <a:endParaRPr lang="pt-BR" sz="2400" dirty="0">
+              <a:solidFill>
+                <a:srgbClr val="3F5362"/>
+              </a:solidFill>
+              <a:latin typeface="Impact" panose="020B0806030902050204" pitchFamily="34" charset="0"/>
+            </a:endParaRPr>
+          </a:p>
+          <a:p>
+            <a:r>
+              <a:rPr lang="pt-BR" sz="2400" dirty="0">
+                <a:solidFill>
+                  <a:srgbClr val="3F5362"/>
+                </a:solidFill>
+                <a:latin typeface="Impact" panose="020B0806030902050204" pitchFamily="34" charset="0"/>
+              </a:rPr>
+              <a:t>Além de trazer uma nova oportunidade para os nossos clientes de ajudarem o meio</a:t>
+            </a:r>
+          </a:p>
+          <a:p>
+            <a:r>
+              <a:rPr lang="pt-BR" sz="2400" dirty="0">
+                <a:solidFill>
+                  <a:srgbClr val="3F5362"/>
+                </a:solidFill>
+                <a:latin typeface="Impact" panose="020B0806030902050204" pitchFamily="34" charset="0"/>
+              </a:rPr>
+              <a:t>ambiente .</a:t>
+            </a:r>
+          </a:p>
+        </p:txBody>
+      </p:sp>
+      <p:pic>
+        <p:nvPicPr>
+          <p:cNvPr id="7" name="Imagem 6">
+            <a:extLst>
+              <a:ext uri="{FF2B5EF4-FFF2-40B4-BE49-F238E27FC236}">
+                <a16:creationId xmlns:a16="http://schemas.microsoft.com/office/drawing/2014/main" id="{838B3174-E45F-39B4-76D8-92658789A749}"/>
+              </a:ext>
+            </a:extLst>
+          </p:cNvPr>
+          <p:cNvPicPr>
+            <a:picLocks noChangeAspect="1"/>
+          </p:cNvPicPr>
+          <p:nvPr/>
+        </p:nvPicPr>
+        <p:blipFill rotWithShape="1">
+          <a:blip r:embed="rId6">
+            <a:extLst>
+              <a:ext uri="{28A0092B-C50C-407E-A947-70E740481C1C}">
+                <a14:useLocalDpi xmlns:a14="http://schemas.microsoft.com/office/drawing/2010/main" val="0"/>
+              </a:ext>
+            </a:extLst>
+          </a:blip>
+          <a:srcRect l="48656"/>
+          <a:stretch/>
+        </p:blipFill>
+        <p:spPr>
+          <a:xfrm>
+            <a:off x="3416716" y="396212"/>
+            <a:ext cx="2144763" cy="1788780"/>
+          </a:xfrm>
+          <a:prstGeom prst="rect">
+            <a:avLst/>
+          </a:prstGeom>
+        </p:spPr>
+      </p:pic>
+      <p:pic>
+        <p:nvPicPr>
+          <p:cNvPr id="11" name="Imagem 10">
+            <a:extLst>
+              <a:ext uri="{FF2B5EF4-FFF2-40B4-BE49-F238E27FC236}">
+                <a16:creationId xmlns:a16="http://schemas.microsoft.com/office/drawing/2014/main" id="{E01BFDC6-3B9A-D3C7-F245-DAAF47F40405}"/>
+              </a:ext>
+            </a:extLst>
+          </p:cNvPr>
+          <p:cNvPicPr>
+            <a:picLocks noChangeAspect="1"/>
+          </p:cNvPicPr>
+          <p:nvPr/>
+        </p:nvPicPr>
+        <p:blipFill>
+          <a:blip r:embed="rId7">
+            <a:extLst>
+              <a:ext uri="{28A0092B-C50C-407E-A947-70E740481C1C}">
+                <a14:useLocalDpi xmlns:a14="http://schemas.microsoft.com/office/drawing/2010/main" val="0"/>
+              </a:ext>
+            </a:extLst>
+          </a:blip>
+          <a:stretch>
+            <a:fillRect/>
+          </a:stretch>
+        </p:blipFill>
+        <p:spPr>
+          <a:xfrm>
+            <a:off x="361287" y="287217"/>
+            <a:ext cx="2006771" cy="2006771"/>
+          </a:xfrm>
+          <a:prstGeom prst="rect">
+            <a:avLst/>
+          </a:prstGeom>
+        </p:spPr>
+      </p:pic>
+      <p:sp>
+        <p:nvSpPr>
+          <p:cNvPr id="12" name="Seta: para a Direita 11">
+            <a:extLst>
+              <a:ext uri="{FF2B5EF4-FFF2-40B4-BE49-F238E27FC236}">
+                <a16:creationId xmlns:a16="http://schemas.microsoft.com/office/drawing/2014/main" id="{3A770F08-BB95-1B17-7DC5-C266E6970AB0}"/>
+              </a:ext>
+            </a:extLst>
+          </p:cNvPr>
+          <p:cNvSpPr/>
+          <p:nvPr/>
+        </p:nvSpPr>
+        <p:spPr>
+          <a:xfrm>
+            <a:off x="2674928" y="1045647"/>
+            <a:ext cx="526473" cy="489909"/>
+          </a:xfrm>
+          <a:prstGeom prst="rightArrow">
+            <a:avLst/>
+          </a:prstGeom>
+          <a:solidFill>
+            <a:srgbClr val="DEF1BB"/>
+          </a:solidFill>
+        </p:spPr>
+        <p:style>
+          <a:lnRef idx="2">
+            <a:schemeClr val="accent1">
+              <a:shade val="15000"/>
+            </a:schemeClr>
+          </a:lnRef>
+          <a:fillRef idx="1">
+            <a:schemeClr val="accent1"/>
+          </a:fillRef>
+          <a:effectRef idx="0">
+            <a:schemeClr val="accent1"/>
+          </a:effectRef>
+          <a:fontRef idx="minor">
+            <a:schemeClr val="lt1"/>
+          </a:fontRef>
+        </p:style>
+        <p:txBody>
+          <a:bodyPr rtlCol="0" anchor="ctr"/>
+          <a:lstStyle/>
+          <a:p>
+            <a:pPr algn="ctr"/>
             <a:endParaRPr lang="pt-BR"/>
           </a:p>
         </p:txBody>
@@ -5885,17 +6286,613 @@
     </p:spTree>
     <p:extLst>
       <p:ext uri="{BB962C8B-B14F-4D97-AF65-F5344CB8AC3E}">
-        <p14:creationId xmlns:p14="http://schemas.microsoft.com/office/powerpoint/2010/main" val="1065176690"/>
+        <p14:creationId xmlns:p14="http://schemas.microsoft.com/office/powerpoint/2010/main" val="2511197424"/>
       </p:ext>
     </p:extLst>
   </p:cSld>
   <p:clrMapOvr>
     <a:masterClrMapping/>
   </p:clrMapOvr>
+  <mc:AlternateContent xmlns:mc="http://schemas.openxmlformats.org/markup-compatibility/2006" xmlns:p159="http://schemas.microsoft.com/office/powerpoint/2015/09/main">
+    <mc:Choice Requires="p159">
+      <p:transition xmlns:p14="http://schemas.microsoft.com/office/powerpoint/2010/main" spd="slow" p14:dur="2000">
+        <p159:morph option="byObject"/>
+      </p:transition>
+    </mc:Choice>
+    <mc:Fallback xmlns="">
+      <p:transition spd="slow">
+        <p:fade/>
+      </p:transition>
+    </mc:Fallback>
+  </mc:AlternateContent>
 </p:sld>
 </file>
 
 <file path=ppt/slides/slide6.xml><?xml version="1.0" encoding="utf-8"?>
+<p:sld xmlns:a="http://schemas.openxmlformats.org/drawingml/2006/main" xmlns:r="http://schemas.openxmlformats.org/officeDocument/2006/relationships" xmlns:p="http://schemas.openxmlformats.org/presentationml/2006/main">
+  <p:cSld>
+    <p:spTree>
+      <p:nvGrpSpPr>
+        <p:cNvPr id="1" name="">
+          <a:extLst>
+            <a:ext uri="{FF2B5EF4-FFF2-40B4-BE49-F238E27FC236}">
+              <a16:creationId xmlns:a16="http://schemas.microsoft.com/office/drawing/2014/main" id="{36E76992-B5DC-38C2-83B5-B2E1AADBC48B}"/>
+            </a:ext>
+          </a:extLst>
+        </p:cNvPr>
+        <p:cNvGrpSpPr/>
+        <p:nvPr/>
+      </p:nvGrpSpPr>
+      <p:grpSpPr>
+        <a:xfrm>
+          <a:off x="0" y="0"/>
+          <a:ext cx="0" cy="0"/>
+          <a:chOff x="0" y="0"/>
+          <a:chExt cx="0" cy="0"/>
+        </a:xfrm>
+      </p:grpSpPr>
+      <p:pic>
+        <p:nvPicPr>
+          <p:cNvPr id="5" name="Imagem 4">
+            <a:extLst>
+              <a:ext uri="{FF2B5EF4-FFF2-40B4-BE49-F238E27FC236}">
+                <a16:creationId xmlns:a16="http://schemas.microsoft.com/office/drawing/2014/main" id="{74A79FC0-A964-BA32-CD6D-E26C675185E1}"/>
+              </a:ext>
+            </a:extLst>
+          </p:cNvPr>
+          <p:cNvPicPr>
+            <a:picLocks noChangeAspect="1"/>
+          </p:cNvPicPr>
+          <p:nvPr/>
+        </p:nvPicPr>
+        <p:blipFill>
+          <a:blip r:embed="rId2">
+            <a:extLst>
+              <a:ext uri="{28A0092B-C50C-407E-A947-70E740481C1C}">
+                <a14:useLocalDpi xmlns:a14="http://schemas.microsoft.com/office/drawing/2010/main" val="0"/>
+              </a:ext>
+            </a:extLst>
+          </a:blip>
+          <a:stretch>
+            <a:fillRect/>
+          </a:stretch>
+        </p:blipFill>
+        <p:spPr>
+          <a:xfrm>
+            <a:off x="0" y="-132522"/>
+            <a:ext cx="12192000" cy="6990522"/>
+          </a:xfrm>
+          <a:prstGeom prst="rect">
+            <a:avLst/>
+          </a:prstGeom>
+          <a:scene3d>
+            <a:camera prst="orthographicFront">
+              <a:rot lat="0" lon="10800000" rev="0"/>
+            </a:camera>
+            <a:lightRig rig="threePt" dir="t"/>
+          </a:scene3d>
+        </p:spPr>
+      </p:pic>
+      <p:sp>
+        <p:nvSpPr>
+          <p:cNvPr id="6" name="Elipse 5">
+            <a:extLst>
+              <a:ext uri="{FF2B5EF4-FFF2-40B4-BE49-F238E27FC236}">
+                <a16:creationId xmlns:a16="http://schemas.microsoft.com/office/drawing/2014/main" id="{17FB014E-9F84-A89C-B117-AA3B4012ACAB}"/>
+              </a:ext>
+            </a:extLst>
+          </p:cNvPr>
+          <p:cNvSpPr/>
+          <p:nvPr/>
+        </p:nvSpPr>
+        <p:spPr>
+          <a:xfrm>
+            <a:off x="-1500810" y="-388436"/>
+            <a:ext cx="8878958" cy="8110332"/>
+          </a:xfrm>
+          <a:prstGeom prst="ellipse">
+            <a:avLst/>
+          </a:prstGeom>
+          <a:solidFill>
+            <a:srgbClr val="ABBA91"/>
+          </a:solidFill>
+          <a:ln>
+            <a:noFill/>
+          </a:ln>
+        </p:spPr>
+        <p:style>
+          <a:lnRef idx="2">
+            <a:schemeClr val="accent1">
+              <a:shade val="15000"/>
+            </a:schemeClr>
+          </a:lnRef>
+          <a:fillRef idx="1">
+            <a:schemeClr val="accent1"/>
+          </a:fillRef>
+          <a:effectRef idx="0">
+            <a:schemeClr val="accent1"/>
+          </a:effectRef>
+          <a:fontRef idx="minor">
+            <a:schemeClr val="lt1"/>
+          </a:fontRef>
+        </p:style>
+        <p:txBody>
+          <a:bodyPr rtlCol="0" anchor="ctr"/>
+          <a:lstStyle/>
+          <a:p>
+            <a:pPr algn="ctr"/>
+            <a:endParaRPr lang="pt-BR"/>
+          </a:p>
+        </p:txBody>
+      </p:sp>
+      <p:pic>
+        <p:nvPicPr>
+          <p:cNvPr id="16" name="Imagem 15">
+            <a:extLst>
+              <a:ext uri="{FF2B5EF4-FFF2-40B4-BE49-F238E27FC236}">
+                <a16:creationId xmlns:a16="http://schemas.microsoft.com/office/drawing/2014/main" id="{9A2D28C5-5F66-7764-604B-81A50621C077}"/>
+              </a:ext>
+            </a:extLst>
+          </p:cNvPr>
+          <p:cNvPicPr>
+            <a:picLocks noChangeAspect="1"/>
+          </p:cNvPicPr>
+          <p:nvPr/>
+        </p:nvPicPr>
+        <p:blipFill>
+          <a:blip r:embed="rId3">
+            <a:extLst>
+              <a:ext uri="{BEBA8EAE-BF5A-486C-A8C5-ECC9F3942E4B}">
+                <a14:imgProps xmlns:a14="http://schemas.microsoft.com/office/drawing/2010/main">
+                  <a14:imgLayer r:embed="rId4">
+                    <a14:imgEffect>
+                      <a14:backgroundRemoval t="8108" b="89910" l="5176" r="89844">
+                        <a14:foregroundMark x1="15234" y1="36216" x2="8594" y2="34595"/>
+                        <a14:foregroundMark x1="8594" y1="34595" x2="4199" y2="36036"/>
+                        <a14:foregroundMark x1="4199" y1="36036" x2="9668" y2="44505"/>
+                        <a14:foregroundMark x1="9668" y1="44505" x2="14844" y2="46306"/>
+                        <a14:foregroundMark x1="36328" y1="15856" x2="31055" y2="7027"/>
+                        <a14:foregroundMark x1="31055" y1="7027" x2="26660" y2="9189"/>
+                        <a14:foregroundMark x1="26660" y1="9189" x2="26270" y2="13874"/>
+                        <a14:foregroundMark x1="6934" y1="33874" x2="5176" y2="40180"/>
+                        <a14:foregroundMark x1="5176" y1="40180" x2="6055" y2="41441"/>
+                        <a14:foregroundMark x1="26074" y1="8108" x2="25586" y2="16036"/>
+                        <a14:foregroundMark x1="37891" y1="23604" x2="37695" y2="30991"/>
+                        <a14:foregroundMark x1="35209" y1="32010" x2="34180" y2="32432"/>
+                        <a14:foregroundMark x1="37695" y1="30991" x2="35959" y2="31703"/>
+                        <a14:foregroundMark x1="25000" y1="47387" x2="23145" y2="54414"/>
+                        <a14:foregroundMark x1="23145" y1="54414" x2="21387" y2="51171"/>
+                        <a14:foregroundMark x1="26172" y1="43423" x2="24805" y2="46306"/>
+                        <a14:backgroundMark x1="1953" y1="44144" x2="26465" y2="64324"/>
+                        <a14:backgroundMark x1="40137" y1="38378" x2="33691" y2="41622"/>
+                        <a14:backgroundMark x1="33691" y1="41622" x2="27051" y2="52793"/>
+                        <a14:backgroundMark x1="27051" y1="52793" x2="26465" y2="54955"/>
+                        <a14:backgroundMark x1="29492" y1="44505" x2="35426" y2="34790"/>
+                        <a14:backgroundMark x1="28027" y1="43604" x2="34375" y2="35315"/>
+                        <a14:backgroundMark x1="34961" y1="34595" x2="37012" y2="34595"/>
+                      </a14:backgroundRemoval>
+                    </a14:imgEffect>
+                  </a14:imgLayer>
+                </a14:imgProps>
+              </a:ext>
+              <a:ext uri="{28A0092B-C50C-407E-A947-70E740481C1C}">
+                <a14:useLocalDpi xmlns:a14="http://schemas.microsoft.com/office/drawing/2010/main" val="0"/>
+              </a:ext>
+            </a:extLst>
+          </a:blip>
+          <a:stretch>
+            <a:fillRect/>
+          </a:stretch>
+        </p:blipFill>
+        <p:spPr>
+          <a:xfrm>
+            <a:off x="-230660" y="-66262"/>
+            <a:ext cx="12653319" cy="6858000"/>
+          </a:xfrm>
+          <a:prstGeom prst="rect">
+            <a:avLst/>
+          </a:prstGeom>
+          <a:scene3d>
+            <a:camera prst="orthographicFront">
+              <a:rot lat="0" lon="10800000" rev="60000"/>
+            </a:camera>
+            <a:lightRig rig="threePt" dir="t"/>
+          </a:scene3d>
+        </p:spPr>
+      </p:pic>
+      <p:sp>
+        <p:nvSpPr>
+          <p:cNvPr id="9" name="CaixaDeTexto 8">
+            <a:extLst>
+              <a:ext uri="{FF2B5EF4-FFF2-40B4-BE49-F238E27FC236}">
+                <a16:creationId xmlns:a16="http://schemas.microsoft.com/office/drawing/2014/main" id="{58A49F3C-F803-F66C-AD41-02AA43433E2C}"/>
+              </a:ext>
+            </a:extLst>
+          </p:cNvPr>
+          <p:cNvSpPr txBox="1"/>
+          <p:nvPr/>
+        </p:nvSpPr>
+        <p:spPr>
+          <a:xfrm>
+            <a:off x="639594" y="236097"/>
+            <a:ext cx="4969565" cy="6555641"/>
+          </a:xfrm>
+          <a:prstGeom prst="rect">
+            <a:avLst/>
+          </a:prstGeom>
+          <a:noFill/>
+        </p:spPr>
+        <p:txBody>
+          <a:bodyPr wrap="square" rtlCol="0">
+            <a:spAutoFit/>
+          </a:bodyPr>
+          <a:lstStyle/>
+          <a:p>
+            <a:r>
+              <a:rPr lang="pt-BR" sz="3600" dirty="0">
+                <a:solidFill>
+                  <a:srgbClr val="344180"/>
+                </a:solidFill>
+                <a:latin typeface="Impact" panose="020B0806030902050204" pitchFamily="34" charset="0"/>
+              </a:rPr>
+              <a:t>Estratégia de Marketing</a:t>
+            </a:r>
+          </a:p>
+          <a:p>
+            <a:endParaRPr lang="pt-BR" sz="2400" dirty="0">
+              <a:solidFill>
+                <a:srgbClr val="344180"/>
+              </a:solidFill>
+              <a:latin typeface="Impact" panose="020B0806030902050204" pitchFamily="34" charset="0"/>
+            </a:endParaRPr>
+          </a:p>
+          <a:p>
+            <a:r>
+              <a:rPr lang="pt-BR" sz="2400" dirty="0">
+                <a:solidFill>
+                  <a:srgbClr val="344180"/>
+                </a:solidFill>
+                <a:latin typeface="Impact" panose="020B0806030902050204" pitchFamily="34" charset="0"/>
+              </a:rPr>
+              <a:t>Nossa principal estratégia de marketing para promover nossa empresa será o Marketing de guerrilha.</a:t>
+            </a:r>
+          </a:p>
+          <a:p>
+            <a:endParaRPr lang="pt-BR" sz="2400" dirty="0">
+              <a:solidFill>
+                <a:srgbClr val="344180"/>
+              </a:solidFill>
+              <a:latin typeface="Impact" panose="020B0806030902050204" pitchFamily="34" charset="0"/>
+            </a:endParaRPr>
+          </a:p>
+          <a:p>
+            <a:r>
+              <a:rPr lang="pt-BR" sz="2400" dirty="0">
+                <a:solidFill>
+                  <a:srgbClr val="344180"/>
+                </a:solidFill>
+                <a:latin typeface="Impact" panose="020B0806030902050204" pitchFamily="34" charset="0"/>
+              </a:rPr>
+              <a:t>Esse tipo de marketing tem como objetivo chamar a atenção do público de maneira criativa e inesperada</a:t>
+            </a:r>
+          </a:p>
+          <a:p>
+            <a:endParaRPr lang="pt-BR" sz="2400" dirty="0">
+              <a:solidFill>
+                <a:srgbClr val="344180"/>
+              </a:solidFill>
+              <a:latin typeface="Impact" panose="020B0806030902050204" pitchFamily="34" charset="0"/>
+            </a:endParaRPr>
+          </a:p>
+          <a:p>
+            <a:r>
+              <a:rPr lang="pt-BR" sz="2400" dirty="0">
+                <a:solidFill>
+                  <a:srgbClr val="344180"/>
+                </a:solidFill>
+                <a:latin typeface="Impact" panose="020B0806030902050204" pitchFamily="34" charset="0"/>
+              </a:rPr>
+              <a:t>Um exemplo será nosso caminhão de distribuição que é personalizado com a aparência de um caminhão de lixo, aludindo que nosso produto realmente se originam de produtos que saem do lixo.</a:t>
+            </a:r>
+          </a:p>
+        </p:txBody>
+      </p:sp>
+      <p:pic>
+        <p:nvPicPr>
+          <p:cNvPr id="21" name="Imagem 20">
+            <a:extLst>
+              <a:ext uri="{FF2B5EF4-FFF2-40B4-BE49-F238E27FC236}">
+                <a16:creationId xmlns:a16="http://schemas.microsoft.com/office/drawing/2014/main" id="{9A082E6F-602A-AD08-2143-F2FE05100C98}"/>
+              </a:ext>
+            </a:extLst>
+          </p:cNvPr>
+          <p:cNvPicPr>
+            <a:picLocks noChangeAspect="1"/>
+          </p:cNvPicPr>
+          <p:nvPr/>
+        </p:nvPicPr>
+        <p:blipFill>
+          <a:blip r:embed="rId5"/>
+          <a:stretch>
+            <a:fillRect/>
+          </a:stretch>
+        </p:blipFill>
+        <p:spPr>
+          <a:xfrm>
+            <a:off x="5996377" y="4087091"/>
+            <a:ext cx="3640395" cy="2407145"/>
+          </a:xfrm>
+          <a:prstGeom prst="rect">
+            <a:avLst/>
+          </a:prstGeom>
+          <a:ln w="104775">
+            <a:solidFill>
+              <a:srgbClr val="ABBA91"/>
+            </a:solidFill>
+          </a:ln>
+          <a:effectLst>
+            <a:softEdge rad="0"/>
+          </a:effectLst>
+        </p:spPr>
+      </p:pic>
+      <p:sp>
+        <p:nvSpPr>
+          <p:cNvPr id="22" name="CaixaDeTexto 21">
+            <a:extLst>
+              <a:ext uri="{FF2B5EF4-FFF2-40B4-BE49-F238E27FC236}">
+                <a16:creationId xmlns:a16="http://schemas.microsoft.com/office/drawing/2014/main" id="{4A72BFF0-327A-DE20-0C50-1BA7A48D3682}"/>
+              </a:ext>
+            </a:extLst>
+          </p:cNvPr>
+          <p:cNvSpPr txBox="1"/>
+          <p:nvPr/>
+        </p:nvSpPr>
+        <p:spPr>
+          <a:xfrm>
+            <a:off x="7135091" y="4807526"/>
+            <a:ext cx="983673" cy="338554"/>
+          </a:xfrm>
+          <a:custGeom>
+            <a:avLst/>
+            <a:gdLst>
+              <a:gd name="connsiteX0" fmla="*/ 0 w 997527"/>
+              <a:gd name="connsiteY0" fmla="*/ 0 h 338554"/>
+              <a:gd name="connsiteX1" fmla="*/ 997527 w 997527"/>
+              <a:gd name="connsiteY1" fmla="*/ 0 h 338554"/>
+              <a:gd name="connsiteX2" fmla="*/ 997527 w 997527"/>
+              <a:gd name="connsiteY2" fmla="*/ 338554 h 338554"/>
+              <a:gd name="connsiteX3" fmla="*/ 0 w 997527"/>
+              <a:gd name="connsiteY3" fmla="*/ 338554 h 338554"/>
+              <a:gd name="connsiteX4" fmla="*/ 0 w 997527"/>
+              <a:gd name="connsiteY4" fmla="*/ 0 h 338554"/>
+              <a:gd name="connsiteX0" fmla="*/ 0 w 997527"/>
+              <a:gd name="connsiteY0" fmla="*/ 13855 h 352409"/>
+              <a:gd name="connsiteX1" fmla="*/ 942109 w 997527"/>
+              <a:gd name="connsiteY1" fmla="*/ 0 h 352409"/>
+              <a:gd name="connsiteX2" fmla="*/ 997527 w 997527"/>
+              <a:gd name="connsiteY2" fmla="*/ 352409 h 352409"/>
+              <a:gd name="connsiteX3" fmla="*/ 0 w 997527"/>
+              <a:gd name="connsiteY3" fmla="*/ 352409 h 352409"/>
+              <a:gd name="connsiteX4" fmla="*/ 0 w 997527"/>
+              <a:gd name="connsiteY4" fmla="*/ 13855 h 352409"/>
+              <a:gd name="connsiteX0" fmla="*/ 0 w 942109"/>
+              <a:gd name="connsiteY0" fmla="*/ 13855 h 352409"/>
+              <a:gd name="connsiteX1" fmla="*/ 942109 w 942109"/>
+              <a:gd name="connsiteY1" fmla="*/ 0 h 352409"/>
+              <a:gd name="connsiteX2" fmla="*/ 914400 w 942109"/>
+              <a:gd name="connsiteY2" fmla="*/ 352409 h 352409"/>
+              <a:gd name="connsiteX3" fmla="*/ 0 w 942109"/>
+              <a:gd name="connsiteY3" fmla="*/ 352409 h 352409"/>
+              <a:gd name="connsiteX4" fmla="*/ 0 w 942109"/>
+              <a:gd name="connsiteY4" fmla="*/ 13855 h 352409"/>
+              <a:gd name="connsiteX0" fmla="*/ 41564 w 983673"/>
+              <a:gd name="connsiteY0" fmla="*/ 13855 h 352409"/>
+              <a:gd name="connsiteX1" fmla="*/ 983673 w 983673"/>
+              <a:gd name="connsiteY1" fmla="*/ 0 h 352409"/>
+              <a:gd name="connsiteX2" fmla="*/ 955964 w 983673"/>
+              <a:gd name="connsiteY2" fmla="*/ 352409 h 352409"/>
+              <a:gd name="connsiteX3" fmla="*/ 0 w 983673"/>
+              <a:gd name="connsiteY3" fmla="*/ 352409 h 352409"/>
+              <a:gd name="connsiteX4" fmla="*/ 41564 w 983673"/>
+              <a:gd name="connsiteY4" fmla="*/ 13855 h 352409"/>
+              <a:gd name="connsiteX0" fmla="*/ 69273 w 983673"/>
+              <a:gd name="connsiteY0" fmla="*/ 57120 h 352409"/>
+              <a:gd name="connsiteX1" fmla="*/ 983673 w 983673"/>
+              <a:gd name="connsiteY1" fmla="*/ 0 h 352409"/>
+              <a:gd name="connsiteX2" fmla="*/ 955964 w 983673"/>
+              <a:gd name="connsiteY2" fmla="*/ 352409 h 352409"/>
+              <a:gd name="connsiteX3" fmla="*/ 0 w 983673"/>
+              <a:gd name="connsiteY3" fmla="*/ 352409 h 352409"/>
+              <a:gd name="connsiteX4" fmla="*/ 69273 w 983673"/>
+              <a:gd name="connsiteY4" fmla="*/ 57120 h 352409"/>
+            </a:gdLst>
+            <a:ahLst/>
+            <a:cxnLst>
+              <a:cxn ang="0">
+                <a:pos x="connsiteX0" y="connsiteY0"/>
+              </a:cxn>
+              <a:cxn ang="0">
+                <a:pos x="connsiteX1" y="connsiteY1"/>
+              </a:cxn>
+              <a:cxn ang="0">
+                <a:pos x="connsiteX2" y="connsiteY2"/>
+              </a:cxn>
+              <a:cxn ang="0">
+                <a:pos x="connsiteX3" y="connsiteY3"/>
+              </a:cxn>
+              <a:cxn ang="0">
+                <a:pos x="connsiteX4" y="connsiteY4"/>
+              </a:cxn>
+            </a:cxnLst>
+            <a:rect l="l" t="t" r="r" b="b"/>
+            <a:pathLst>
+              <a:path w="983673" h="352409">
+                <a:moveTo>
+                  <a:pt x="69273" y="57120"/>
+                </a:moveTo>
+                <a:lnTo>
+                  <a:pt x="983673" y="0"/>
+                </a:lnTo>
+                <a:lnTo>
+                  <a:pt x="955964" y="352409"/>
+                </a:lnTo>
+                <a:lnTo>
+                  <a:pt x="0" y="352409"/>
+                </a:lnTo>
+                <a:lnTo>
+                  <a:pt x="69273" y="57120"/>
+                </a:lnTo>
+                <a:close/>
+              </a:path>
+            </a:pathLst>
+          </a:custGeom>
+          <a:solidFill>
+            <a:srgbClr val="615988"/>
+          </a:solidFill>
+          <a:ln>
+            <a:noFill/>
+          </a:ln>
+        </p:spPr>
+        <p:txBody>
+          <a:bodyPr wrap="square" rtlCol="0">
+            <a:spAutoFit/>
+            <a:scene3d>
+              <a:camera prst="orthographicFront">
+                <a:rot lat="0" lon="20699979" rev="0"/>
+              </a:camera>
+              <a:lightRig rig="threePt" dir="t"/>
+            </a:scene3d>
+          </a:bodyPr>
+          <a:lstStyle/>
+          <a:p>
+            <a:r>
+              <a:rPr lang="pt-BR" sz="1600" dirty="0">
+                <a:ln w="0">
+                  <a:noFill/>
+                </a:ln>
+                <a:solidFill>
+                  <a:schemeClr val="bg1">
+                    <a:lumMod val="95000"/>
+                  </a:schemeClr>
+                </a:solidFill>
+                <a:effectLst>
+                  <a:outerShdw blurRad="50800" dist="38100" dir="5400000" algn="t" rotWithShape="0">
+                    <a:prstClr val="black">
+                      <a:alpha val="40000"/>
+                    </a:prstClr>
+                  </a:outerShdw>
+                  <a:reflection blurRad="6350" stA="58000" endPos="58000" dir="5400000" sy="-100000" algn="bl" rotWithShape="0"/>
+                </a:effectLst>
+                <a:latin typeface="Britannic Bold" panose="020B0903060703020204" pitchFamily="34" charset="0"/>
+              </a:rPr>
+              <a:t>Eco</a:t>
+            </a:r>
+            <a:r>
+              <a:rPr lang="pt-BR" sz="1600" dirty="0">
+                <a:ln w="0">
+                  <a:solidFill>
+                    <a:schemeClr val="bg1">
+                      <a:alpha val="30000"/>
+                    </a:schemeClr>
+                  </a:solidFill>
+                </a:ln>
+                <a:solidFill>
+                  <a:schemeClr val="bg1">
+                    <a:lumMod val="95000"/>
+                  </a:schemeClr>
+                </a:solidFill>
+                <a:effectLst>
+                  <a:outerShdw blurRad="50800" dist="38100" dir="5400000" algn="t" rotWithShape="0">
+                    <a:prstClr val="black">
+                      <a:alpha val="40000"/>
+                    </a:prstClr>
+                  </a:outerShdw>
+                  <a:reflection blurRad="6350" stA="58000" endPos="58000" dir="5400000" sy="-100000" algn="bl" rotWithShape="0"/>
+                </a:effectLst>
+                <a:latin typeface="Britannic Bold" panose="020B0903060703020204" pitchFamily="34" charset="0"/>
+              </a:rPr>
+              <a:t> </a:t>
+            </a:r>
+            <a:r>
+              <a:rPr lang="pt-BR" sz="1600" dirty="0">
+                <a:ln w="0" cap="flat" cmpd="dbl">
+                  <a:noFill/>
+                </a:ln>
+                <a:solidFill>
+                  <a:schemeClr val="bg1">
+                    <a:lumMod val="95000"/>
+                  </a:schemeClr>
+                </a:solidFill>
+                <a:effectLst>
+                  <a:outerShdw blurRad="50800" dist="38100" dir="5400000" algn="t" rotWithShape="0">
+                    <a:prstClr val="black">
+                      <a:alpha val="40000"/>
+                    </a:prstClr>
+                  </a:outerShdw>
+                  <a:reflection blurRad="6350" stA="58000" endPos="58000" dir="5400000" sy="-100000" algn="bl" rotWithShape="0"/>
+                </a:effectLst>
+                <a:latin typeface="Britannic Bold" panose="020B0903060703020204" pitchFamily="34" charset="0"/>
+              </a:rPr>
+              <a:t>Tech</a:t>
+            </a:r>
+          </a:p>
+        </p:txBody>
+      </p:sp>
+      <p:pic>
+        <p:nvPicPr>
+          <p:cNvPr id="24" name="Imagem 23">
+            <a:extLst>
+              <a:ext uri="{FF2B5EF4-FFF2-40B4-BE49-F238E27FC236}">
+                <a16:creationId xmlns:a16="http://schemas.microsoft.com/office/drawing/2014/main" id="{0A4E0F07-324A-961B-1677-D7DCF28F6D10}"/>
+              </a:ext>
+            </a:extLst>
+          </p:cNvPr>
+          <p:cNvPicPr>
+            <a:picLocks noChangeAspect="1"/>
+          </p:cNvPicPr>
+          <p:nvPr/>
+        </p:nvPicPr>
+        <p:blipFill rotWithShape="1">
+          <a:blip r:embed="rId6"/>
+          <a:srcRect t="38965"/>
+          <a:stretch/>
+        </p:blipFill>
+        <p:spPr>
+          <a:xfrm>
+            <a:off x="6039500" y="4955601"/>
+            <a:ext cx="321155" cy="231945"/>
+          </a:xfrm>
+          <a:prstGeom prst="rect">
+            <a:avLst/>
+          </a:prstGeom>
+        </p:spPr>
+      </p:pic>
+    </p:spTree>
+    <p:extLst>
+      <p:ext uri="{BB962C8B-B14F-4D97-AF65-F5344CB8AC3E}">
+        <p14:creationId xmlns:p14="http://schemas.microsoft.com/office/powerpoint/2010/main" val="1223666196"/>
+      </p:ext>
+    </p:extLst>
+  </p:cSld>
+  <p:clrMapOvr>
+    <a:masterClrMapping/>
+  </p:clrMapOvr>
+  <mc:AlternateContent xmlns:mc="http://schemas.openxmlformats.org/markup-compatibility/2006">
+    <mc:Choice xmlns:p159="http://schemas.microsoft.com/office/powerpoint/2015/09/main" Requires="p159">
+      <p:transition xmlns:p14="http://schemas.microsoft.com/office/powerpoint/2010/main" spd="slow" p14:dur="2000">
+        <p159:morph option="byObject"/>
+      </p:transition>
+    </mc:Choice>
+    <mc:Fallback>
+      <p:transition spd="slow">
+        <p:fade/>
+      </p:transition>
+    </mc:Fallback>
+  </mc:AlternateContent>
+</p:sld>
+</file>
+
+<file path=ppt/slides/slide7.xml><?xml version="1.0" encoding="utf-8"?>
 <p:sld xmlns:a="http://schemas.openxmlformats.org/drawingml/2006/main" xmlns:r="http://schemas.openxmlformats.org/officeDocument/2006/relationships" xmlns:p="http://schemas.openxmlformats.org/presentationml/2006/main">
   <p:cSld>
     <p:spTree>
@@ -5969,6 +6966,89 @@
     <p:extLst>
       <p:ext uri="{BB962C8B-B14F-4D97-AF65-F5344CB8AC3E}">
         <p14:creationId xmlns:p14="http://schemas.microsoft.com/office/powerpoint/2010/main" val="2870047166"/>
+      </p:ext>
+    </p:extLst>
+  </p:cSld>
+  <p:clrMapOvr>
+    <a:masterClrMapping/>
+  </p:clrMapOvr>
+</p:sld>
+</file>
+
+<file path=ppt/slides/slide8.xml><?xml version="1.0" encoding="utf-8"?>
+<p:sld xmlns:a="http://schemas.openxmlformats.org/drawingml/2006/main" xmlns:r="http://schemas.openxmlformats.org/officeDocument/2006/relationships" xmlns:p="http://schemas.openxmlformats.org/presentationml/2006/main">
+  <p:cSld>
+    <p:spTree>
+      <p:nvGrpSpPr>
+        <p:cNvPr id="1" name=""/>
+        <p:cNvGrpSpPr/>
+        <p:nvPr/>
+      </p:nvGrpSpPr>
+      <p:grpSpPr>
+        <a:xfrm>
+          <a:off x="0" y="0"/>
+          <a:ext cx="0" cy="0"/>
+          <a:chOff x="0" y="0"/>
+          <a:chExt cx="0" cy="0"/>
+        </a:xfrm>
+      </p:grpSpPr>
+      <p:sp>
+        <p:nvSpPr>
+          <p:cNvPr id="2" name="Título 1">
+            <a:extLst>
+              <a:ext uri="{FF2B5EF4-FFF2-40B4-BE49-F238E27FC236}">
+                <a16:creationId xmlns:a16="http://schemas.microsoft.com/office/drawing/2014/main" id="{C2F76D39-5EBC-8BE5-59D6-024C571EFD75}"/>
+              </a:ext>
+            </a:extLst>
+          </p:cNvPr>
+          <p:cNvSpPr>
+            <a:spLocks noGrp="1"/>
+          </p:cNvSpPr>
+          <p:nvPr>
+            <p:ph type="title"/>
+          </p:nvPr>
+        </p:nvSpPr>
+        <p:spPr/>
+        <p:txBody>
+          <a:bodyPr/>
+          <a:lstStyle/>
+          <a:p>
+            <a:r>
+              <a:rPr lang="pt-BR" dirty="0"/>
+              <a:t>Risco de evento</a:t>
+            </a:r>
+          </a:p>
+        </p:txBody>
+      </p:sp>
+      <p:sp>
+        <p:nvSpPr>
+          <p:cNvPr id="3" name="Espaço Reservado para Conteúdo 2">
+            <a:extLst>
+              <a:ext uri="{FF2B5EF4-FFF2-40B4-BE49-F238E27FC236}">
+                <a16:creationId xmlns:a16="http://schemas.microsoft.com/office/drawing/2014/main" id="{2BBD7854-18C9-8A40-5E12-0BD15EFD9164}"/>
+              </a:ext>
+            </a:extLst>
+          </p:cNvPr>
+          <p:cNvSpPr>
+            <a:spLocks noGrp="1"/>
+          </p:cNvSpPr>
+          <p:nvPr>
+            <p:ph idx="1"/>
+          </p:nvPr>
+        </p:nvSpPr>
+        <p:spPr/>
+        <p:txBody>
+          <a:bodyPr/>
+          <a:lstStyle/>
+          <a:p>
+            <a:endParaRPr lang="pt-BR"/>
+          </a:p>
+        </p:txBody>
+      </p:sp>
+    </p:spTree>
+    <p:extLst>
+      <p:ext uri="{BB962C8B-B14F-4D97-AF65-F5344CB8AC3E}">
+        <p14:creationId xmlns:p14="http://schemas.microsoft.com/office/powerpoint/2010/main" val="1065176690"/>
       </p:ext>
     </p:extLst>
   </p:cSld>
